--- a/EXCEPTION HANDLERS/EXCEPTION HANDLERS.pptx
+++ b/EXCEPTION HANDLERS/EXCEPTION HANDLERS.pptx
@@ -12,10 +12,11 @@
     <p:sldId id="259" r:id="rId6"/>
     <p:sldId id="260" r:id="rId7"/>
     <p:sldId id="261" r:id="rId8"/>
-    <p:sldId id="264" r:id="rId9"/>
-    <p:sldId id="262" r:id="rId10"/>
-    <p:sldId id="266" r:id="rId11"/>
-    <p:sldId id="263" r:id="rId12"/>
+    <p:sldId id="267" r:id="rId9"/>
+    <p:sldId id="264" r:id="rId10"/>
+    <p:sldId id="262" r:id="rId11"/>
+    <p:sldId id="266" r:id="rId12"/>
+    <p:sldId id="263" r:id="rId13"/>
   </p:sldIdLst>
   <p:sldSz cx="9144000" cy="6858000" type="screen4x3"/>
   <p:notesSz cx="6858000" cy="9144000"/>
@@ -116,7 +117,7 @@
   </p:defaultTextStyle>
   <p:extLst>
     <p:ext uri="{EFAFB233-063F-42B5-8137-9DF3F51BA10A}">
-      <p15:sldGuideLst xmlns:p15="http://schemas.microsoft.com/office/powerpoint/2012/main" xmlns="">
+      <p15:sldGuideLst xmlns="" xmlns:p15="http://schemas.microsoft.com/office/powerpoint/2012/main">
         <p15:guide id="1" orient="horz" pos="2160">
           <p15:clr>
             <a:srgbClr val="A4A3A4"/>
@@ -351,7 +352,7 @@
             <a:fld id="{E5BAE83C-E82B-4F55-A3B7-E960D2FB8E10}" type="datetimeFigureOut">
               <a:rPr lang="en-US" smtClean="0"/>
               <a:pPr/>
-              <a:t>6/24/2021</a:t>
+              <a:t>6/25/2021</a:t>
             </a:fld>
             <a:endParaRPr lang="en-US"/>
           </a:p>
@@ -539,7 +540,7 @@
             <a:fld id="{E5BAE83C-E82B-4F55-A3B7-E960D2FB8E10}" type="datetimeFigureOut">
               <a:rPr lang="en-US" smtClean="0"/>
               <a:pPr/>
-              <a:t>6/24/2021</a:t>
+              <a:t>6/25/2021</a:t>
             </a:fld>
             <a:endParaRPr lang="en-US"/>
           </a:p>
@@ -715,7 +716,7 @@
             <a:fld id="{E5BAE83C-E82B-4F55-A3B7-E960D2FB8E10}" type="datetimeFigureOut">
               <a:rPr lang="en-US" smtClean="0"/>
               <a:pPr/>
-              <a:t>6/24/2021</a:t>
+              <a:t>6/25/2021</a:t>
             </a:fld>
             <a:endParaRPr lang="en-US"/>
           </a:p>
@@ -896,7 +897,7 @@
             <a:fld id="{E5BAE83C-E82B-4F55-A3B7-E960D2FB8E10}" type="datetimeFigureOut">
               <a:rPr lang="en-US" smtClean="0"/>
               <a:pPr/>
-              <a:t>6/24/2021</a:t>
+              <a:t>6/25/2021</a:t>
             </a:fld>
             <a:endParaRPr lang="en-US"/>
           </a:p>
@@ -1145,7 +1146,7 @@
             <a:fld id="{E5BAE83C-E82B-4F55-A3B7-E960D2FB8E10}" type="datetimeFigureOut">
               <a:rPr lang="en-US" smtClean="0"/>
               <a:pPr/>
-              <a:t>6/24/2021</a:t>
+              <a:t>6/25/2021</a:t>
             </a:fld>
             <a:endParaRPr lang="en-US"/>
           </a:p>
@@ -1619,7 +1620,7 @@
             <a:fld id="{E5BAE83C-E82B-4F55-A3B7-E960D2FB8E10}" type="datetimeFigureOut">
               <a:rPr lang="en-US" smtClean="0"/>
               <a:pPr/>
-              <a:t>6/24/2021</a:t>
+              <a:t>6/25/2021</a:t>
             </a:fld>
             <a:endParaRPr lang="en-US"/>
           </a:p>
@@ -2035,7 +2036,7 @@
             <a:fld id="{E5BAE83C-E82B-4F55-A3B7-E960D2FB8E10}" type="datetimeFigureOut">
               <a:rPr lang="en-US" smtClean="0"/>
               <a:pPr/>
-              <a:t>6/24/2021</a:t>
+              <a:t>6/25/2021</a:t>
             </a:fld>
             <a:endParaRPr lang="en-US"/>
           </a:p>
@@ -2167,7 +2168,7 @@
             <a:fld id="{E5BAE83C-E82B-4F55-A3B7-E960D2FB8E10}" type="datetimeFigureOut">
               <a:rPr lang="en-US" smtClean="0"/>
               <a:pPr/>
-              <a:t>6/24/2021</a:t>
+              <a:t>6/25/2021</a:t>
             </a:fld>
             <a:endParaRPr lang="en-US"/>
           </a:p>
@@ -2264,7 +2265,7 @@
             <a:fld id="{E5BAE83C-E82B-4F55-A3B7-E960D2FB8E10}" type="datetimeFigureOut">
               <a:rPr lang="en-US" smtClean="0"/>
               <a:pPr/>
-              <a:t>6/24/2021</a:t>
+              <a:t>6/25/2021</a:t>
             </a:fld>
             <a:endParaRPr lang="en-US"/>
           </a:p>
@@ -2543,7 +2544,7 @@
             <a:fld id="{E5BAE83C-E82B-4F55-A3B7-E960D2FB8E10}" type="datetimeFigureOut">
               <a:rPr lang="en-US" smtClean="0"/>
               <a:pPr/>
-              <a:t>6/24/2021</a:t>
+              <a:t>6/25/2021</a:t>
             </a:fld>
             <a:endParaRPr lang="en-US"/>
           </a:p>
@@ -2796,7 +2797,7 @@
             <a:fld id="{E5BAE83C-E82B-4F55-A3B7-E960D2FB8E10}" type="datetimeFigureOut">
               <a:rPr lang="en-US" smtClean="0"/>
               <a:pPr/>
-              <a:t>6/24/2021</a:t>
+              <a:t>6/25/2021</a:t>
             </a:fld>
             <a:endParaRPr lang="en-US"/>
           </a:p>
@@ -3168,7 +3169,7 @@
             <a:fld id="{E5BAE83C-E82B-4F55-A3B7-E960D2FB8E10}" type="datetimeFigureOut">
               <a:rPr lang="en-US" smtClean="0"/>
               <a:pPr/>
-              <a:t>6/24/2021</a:t>
+              <a:t>6/25/2021</a:t>
             </a:fld>
             <a:endParaRPr lang="en-US"/>
           </a:p>
@@ -3742,8 +3743,8 @@
         </p:nvSpPr>
         <p:spPr>
           <a:xfrm>
-            <a:off x="1357290" y="357166"/>
-            <a:ext cx="3071834" cy="646331"/>
+            <a:off x="357158" y="1571612"/>
+            <a:ext cx="8786842" cy="2677656"/>
           </a:xfrm>
           <a:prstGeom prst="rect">
             <a:avLst/>
@@ -3756,44 +3757,10 @@
           </a:bodyPr>
           <a:lstStyle/>
           <a:p>
-            <a:r>
-              <a:rPr lang="en-US" sz="3600" b="1" u="sng" dirty="0">
-                <a:solidFill>
-                  <a:schemeClr val="accent1">
-                    <a:lumMod val="60000"/>
-                    <a:lumOff val="40000"/>
-                  </a:schemeClr>
-                </a:solidFill>
-                <a:latin typeface="Calibri" pitchFamily="34" charset="0"/>
-                <a:cs typeface="Calibri" pitchFamily="34" charset="0"/>
-              </a:rPr>
-              <a:t>CONCLUSION</a:t>
-            </a:r>
-          </a:p>
-        </p:txBody>
-      </p:sp>
-      <p:sp>
-        <p:nvSpPr>
-          <p:cNvPr id="3" name="TextBox 2"/>
-          <p:cNvSpPr txBox="1"/>
-          <p:nvPr/>
-        </p:nvSpPr>
-        <p:spPr>
-          <a:xfrm>
-            <a:off x="285720" y="1643050"/>
-            <a:ext cx="9144064" cy="1569660"/>
-          </a:xfrm>
-          <a:prstGeom prst="rect">
-            <a:avLst/>
-          </a:prstGeom>
-          <a:noFill/>
-        </p:spPr>
-        <p:txBody>
-          <a:bodyPr wrap="square" rtlCol="0">
-            <a:spAutoFit/>
-          </a:bodyPr>
-          <a:lstStyle/>
-          <a:p>
+            <a:pPr>
+              <a:buFont typeface="Wingdings" pitchFamily="2" charset="2"/>
+              <a:buChar char="Ø"/>
+            </a:pPr>
             <a:r>
               <a:rPr lang="en-US" sz="2400" dirty="0">
                 <a:solidFill>
@@ -3805,20 +3772,20 @@
                 <a:latin typeface="Calibri" pitchFamily="34" charset="0"/>
                 <a:cs typeface="Calibri" pitchFamily="34" charset="0"/>
               </a:rPr>
-              <a:t>Our initiative </a:t>
-            </a:r>
-            <a:r>
-              <a:rPr lang="en-US" sz="2400" b="1" dirty="0">
-                <a:solidFill>
-                  <a:schemeClr val="accent2">
-                    <a:lumMod val="20000"/>
-                    <a:lumOff val="80000"/>
-                  </a:schemeClr>
-                </a:solidFill>
-                <a:latin typeface="Calibri" pitchFamily="34" charset="0"/>
-                <a:cs typeface="Calibri" pitchFamily="34" charset="0"/>
-              </a:rPr>
-              <a:t>PAUSE TO RESUME </a:t>
+              <a:t> Helps government to reduce the spread of </a:t>
+            </a:r>
+            <a:r>
+              <a:rPr lang="en-US" sz="2400" dirty="0" err="1">
+                <a:solidFill>
+                  <a:schemeClr val="accent2">
+                    <a:lumMod val="20000"/>
+                    <a:lumOff val="80000"/>
+                  </a:schemeClr>
+                </a:solidFill>
+                <a:latin typeface="Calibri" pitchFamily="34" charset="0"/>
+                <a:cs typeface="Calibri" pitchFamily="34" charset="0"/>
+              </a:rPr>
+              <a:t>covid</a:t>
             </a:r>
             <a:r>
               <a:rPr lang="en-US" sz="2400" dirty="0">
@@ -3831,9 +3798,112 @@
                 <a:latin typeface="Calibri" pitchFamily="34" charset="0"/>
                 <a:cs typeface="Calibri" pitchFamily="34" charset="0"/>
               </a:rPr>
-              <a:t>is an efficient solution to reduce </a:t>
-            </a:r>
-            <a:endParaRPr lang="en-US" sz="2400" dirty="0" smtClean="0">
+              <a:t> </a:t>
+            </a:r>
+          </a:p>
+          <a:p>
+            <a:pPr>
+              <a:buFont typeface="Wingdings" pitchFamily="2" charset="2"/>
+              <a:buChar char="Ø"/>
+            </a:pPr>
+            <a:r>
+              <a:rPr lang="en-US" sz="2400" dirty="0">
+                <a:solidFill>
+                  <a:schemeClr val="accent2">
+                    <a:lumMod val="20000"/>
+                    <a:lumOff val="80000"/>
+                  </a:schemeClr>
+                </a:solidFill>
+                <a:latin typeface="Calibri" pitchFamily="34" charset="0"/>
+                <a:cs typeface="Calibri" pitchFamily="34" charset="0"/>
+              </a:rPr>
+              <a:t>Automate human process</a:t>
+            </a:r>
+          </a:p>
+          <a:p>
+            <a:pPr>
+              <a:buFont typeface="Wingdings" pitchFamily="2" charset="2"/>
+              <a:buChar char="Ø"/>
+            </a:pPr>
+            <a:r>
+              <a:rPr lang="en-US" sz="2400" dirty="0">
+                <a:solidFill>
+                  <a:schemeClr val="accent2">
+                    <a:lumMod val="20000"/>
+                    <a:lumOff val="80000"/>
+                  </a:schemeClr>
+                </a:solidFill>
+                <a:latin typeface="Calibri" pitchFamily="34" charset="0"/>
+                <a:cs typeface="Calibri" pitchFamily="34" charset="0"/>
+              </a:rPr>
+              <a:t> Prevent spread of </a:t>
+            </a:r>
+            <a:r>
+              <a:rPr lang="en-US" sz="2400" dirty="0" err="1">
+                <a:solidFill>
+                  <a:schemeClr val="accent2">
+                    <a:lumMod val="20000"/>
+                    <a:lumOff val="80000"/>
+                  </a:schemeClr>
+                </a:solidFill>
+                <a:latin typeface="Calibri" pitchFamily="34" charset="0"/>
+                <a:cs typeface="Calibri" pitchFamily="34" charset="0"/>
+              </a:rPr>
+              <a:t>covid</a:t>
+            </a:r>
+            <a:r>
+              <a:rPr lang="en-US" sz="2400" dirty="0">
+                <a:solidFill>
+                  <a:schemeClr val="accent2">
+                    <a:lumMod val="20000"/>
+                    <a:lumOff val="80000"/>
+                  </a:schemeClr>
+                </a:solidFill>
+                <a:latin typeface="Calibri" pitchFamily="34" charset="0"/>
+                <a:cs typeface="Calibri" pitchFamily="34" charset="0"/>
+              </a:rPr>
+              <a:t> due to close contact with the means of </a:t>
+            </a:r>
+            <a:r>
+              <a:rPr lang="en-US" sz="2400" dirty="0" smtClean="0">
+                <a:solidFill>
+                  <a:schemeClr val="accent2">
+                    <a:lumMod val="20000"/>
+                    <a:lumOff val="80000"/>
+                  </a:schemeClr>
+                </a:solidFill>
+                <a:latin typeface="Calibri" pitchFamily="34" charset="0"/>
+                <a:cs typeface="Calibri" pitchFamily="34" charset="0"/>
+              </a:rPr>
+              <a:t>  data  entry </a:t>
+            </a:r>
+            <a:r>
+              <a:rPr lang="en-US" sz="2400" dirty="0">
+                <a:solidFill>
+                  <a:schemeClr val="accent2">
+                    <a:lumMod val="20000"/>
+                    <a:lumOff val="80000"/>
+                  </a:schemeClr>
+                </a:solidFill>
+                <a:latin typeface="Calibri" pitchFamily="34" charset="0"/>
+                <a:cs typeface="Calibri" pitchFamily="34" charset="0"/>
+              </a:rPr>
+              <a:t>used in conventional mode </a:t>
+            </a:r>
+            <a:r>
+              <a:rPr lang="en-US" sz="2400" dirty="0" smtClean="0">
+                <a:solidFill>
+                  <a:schemeClr val="accent2">
+                    <a:lumMod val="20000"/>
+                    <a:lumOff val="80000"/>
+                  </a:schemeClr>
+                </a:solidFill>
+                <a:latin typeface="Calibri" pitchFamily="34" charset="0"/>
+                <a:cs typeface="Calibri" pitchFamily="34" charset="0"/>
+              </a:rPr>
+              <a:t>.</a:t>
+            </a:r>
+            <a:endParaRPr lang="en-US" sz="2400" dirty="0">
               <a:solidFill>
                 <a:schemeClr val="accent2">
                   <a:lumMod val="20000"/>
@@ -3845,19 +3915,10 @@
             </a:endParaRPr>
           </a:p>
           <a:p>
-            <a:r>
-              <a:rPr lang="en-US" sz="2400" dirty="0" smtClean="0">
-                <a:solidFill>
-                  <a:schemeClr val="accent2">
-                    <a:lumMod val="20000"/>
-                    <a:lumOff val="80000"/>
-                  </a:schemeClr>
-                </a:solidFill>
-                <a:latin typeface="Calibri" pitchFamily="34" charset="0"/>
-                <a:cs typeface="Calibri" pitchFamily="34" charset="0"/>
-              </a:rPr>
-              <a:t>the Spread </a:t>
-            </a:r>
+            <a:pPr>
+              <a:buFont typeface="Wingdings" pitchFamily="2" charset="2"/>
+              <a:buChar char="Ø"/>
+            </a:pPr>
             <a:r>
               <a:rPr lang="en-US" sz="2400" dirty="0">
                 <a:solidFill>
@@ -3869,7 +3930,7 @@
                 <a:latin typeface="Calibri" pitchFamily="34" charset="0"/>
                 <a:cs typeface="Calibri" pitchFamily="34" charset="0"/>
               </a:rPr>
-              <a:t>of </a:t>
+              <a:t> People get to know about the </a:t>
             </a:r>
             <a:r>
               <a:rPr lang="en-US" sz="2400" dirty="0" err="1">
@@ -3895,21 +3956,14 @@
                 <a:latin typeface="Calibri" pitchFamily="34" charset="0"/>
                 <a:cs typeface="Calibri" pitchFamily="34" charset="0"/>
               </a:rPr>
-              <a:t> by strictly tracking the travel history of people without </a:t>
-            </a:r>
-            <a:r>
-              <a:rPr lang="en-US" sz="2400" dirty="0" smtClean="0">
-                <a:solidFill>
-                  <a:schemeClr val="accent2">
-                    <a:lumMod val="20000"/>
-                    <a:lumOff val="80000"/>
-                  </a:schemeClr>
-                </a:solidFill>
-                <a:latin typeface="Calibri" pitchFamily="34" charset="0"/>
-                <a:cs typeface="Calibri" pitchFamily="34" charset="0"/>
-              </a:rPr>
-              <a:t>manual </a:t>
-            </a:r>
+              <a:t> status of other people they mingled with. </a:t>
+            </a:r>
+          </a:p>
+          <a:p>
+            <a:pPr>
+              <a:buFont typeface="Wingdings" pitchFamily="2" charset="2"/>
+              <a:buChar char="Ø"/>
+            </a:pPr>
             <a:r>
               <a:rPr lang="en-US" sz="2400" dirty="0">
                 <a:solidFill>
@@ -3921,46 +3975,45 @@
                 <a:latin typeface="Calibri" pitchFamily="34" charset="0"/>
                 <a:cs typeface="Calibri" pitchFamily="34" charset="0"/>
               </a:rPr>
-              <a:t>intervention and thereby quarantining individuals suspected to </a:t>
-            </a:r>
-            <a:r>
-              <a:rPr lang="en-US" sz="2400" dirty="0" smtClean="0">
-                <a:solidFill>
-                  <a:schemeClr val="accent2">
-                    <a:lumMod val="20000"/>
-                    <a:lumOff val="80000"/>
-                  </a:schemeClr>
-                </a:solidFill>
-                <a:latin typeface="Calibri" pitchFamily="34" charset="0"/>
-                <a:cs typeface="Calibri" pitchFamily="34" charset="0"/>
-              </a:rPr>
-              <a:t>have </a:t>
-            </a:r>
-            <a:r>
-              <a:rPr lang="en-US" sz="2400" dirty="0" err="1">
-                <a:solidFill>
-                  <a:schemeClr val="accent2">
-                    <a:lumMod val="20000"/>
-                    <a:lumOff val="80000"/>
-                  </a:schemeClr>
-                </a:solidFill>
-                <a:latin typeface="Calibri" pitchFamily="34" charset="0"/>
-                <a:cs typeface="Calibri" pitchFamily="34" charset="0"/>
-              </a:rPr>
-              <a:t>covid</a:t>
-            </a:r>
-            <a:r>
-              <a:rPr lang="en-US" sz="2400" dirty="0">
-                <a:solidFill>
-                  <a:schemeClr val="accent2">
-                    <a:lumMod val="20000"/>
-                    <a:lumOff val="80000"/>
-                  </a:schemeClr>
-                </a:solidFill>
-                <a:latin typeface="Calibri" pitchFamily="34" charset="0"/>
-                <a:cs typeface="Calibri" pitchFamily="34" charset="0"/>
-              </a:rPr>
-              <a:t>.</a:t>
+              <a:t> Ensures quarantine of suspected individuals without any fail</a:t>
+            </a:r>
+          </a:p>
+        </p:txBody>
+      </p:sp>
+      <p:sp>
+        <p:nvSpPr>
+          <p:cNvPr id="3" name="TextBox 2"/>
+          <p:cNvSpPr txBox="1"/>
+          <p:nvPr/>
+        </p:nvSpPr>
+        <p:spPr>
+          <a:xfrm>
+            <a:off x="1500166" y="285728"/>
+            <a:ext cx="5045227" cy="646331"/>
+          </a:xfrm>
+          <a:prstGeom prst="rect">
+            <a:avLst/>
+          </a:prstGeom>
+          <a:noFill/>
+        </p:spPr>
+        <p:txBody>
+          <a:bodyPr wrap="none" rtlCol="0">
+            <a:spAutoFit/>
+          </a:bodyPr>
+          <a:lstStyle/>
+          <a:p>
+            <a:r>
+              <a:rPr lang="en-US" sz="3600" u="sng" dirty="0">
+                <a:solidFill>
+                  <a:schemeClr val="accent1">
+                    <a:lumMod val="60000"/>
+                    <a:lumOff val="40000"/>
+                  </a:schemeClr>
+                </a:solidFill>
+                <a:latin typeface="Calibri" pitchFamily="34" charset="0"/>
+                <a:cs typeface="Calibri" pitchFamily="34" charset="0"/>
+              </a:rPr>
+              <a:t>SOCIAL  IMPACT ANALYSIS</a:t>
             </a:r>
           </a:p>
         </p:txBody>
@@ -3981,6 +4034,269 @@
 </file>
 
 <file path=ppt/slides/slide11.xml><?xml version="1.0" encoding="utf-8"?>
+<p:sld xmlns:a="http://schemas.openxmlformats.org/drawingml/2006/main" xmlns:r="http://schemas.openxmlformats.org/officeDocument/2006/relationships" xmlns:p="http://schemas.openxmlformats.org/presentationml/2006/main">
+  <p:cSld>
+    <p:spTree>
+      <p:nvGrpSpPr>
+        <p:cNvPr id="1" name=""/>
+        <p:cNvGrpSpPr/>
+        <p:nvPr/>
+      </p:nvGrpSpPr>
+      <p:grpSpPr>
+        <a:xfrm>
+          <a:off x="0" y="0"/>
+          <a:ext cx="0" cy="0"/>
+          <a:chOff x="0" y="0"/>
+          <a:chExt cx="0" cy="0"/>
+        </a:xfrm>
+      </p:grpSpPr>
+      <p:sp>
+        <p:nvSpPr>
+          <p:cNvPr id="2" name="TextBox 1"/>
+          <p:cNvSpPr txBox="1"/>
+          <p:nvPr/>
+        </p:nvSpPr>
+        <p:spPr>
+          <a:xfrm>
+            <a:off x="1357290" y="357166"/>
+            <a:ext cx="3071834" cy="646331"/>
+          </a:xfrm>
+          <a:prstGeom prst="rect">
+            <a:avLst/>
+          </a:prstGeom>
+          <a:noFill/>
+        </p:spPr>
+        <p:txBody>
+          <a:bodyPr wrap="square" rtlCol="0">
+            <a:spAutoFit/>
+          </a:bodyPr>
+          <a:lstStyle/>
+          <a:p>
+            <a:r>
+              <a:rPr lang="en-US" sz="3600" b="1" u="sng" dirty="0">
+                <a:solidFill>
+                  <a:schemeClr val="accent1">
+                    <a:lumMod val="60000"/>
+                    <a:lumOff val="40000"/>
+                  </a:schemeClr>
+                </a:solidFill>
+                <a:latin typeface="Calibri" pitchFamily="34" charset="0"/>
+                <a:cs typeface="Calibri" pitchFamily="34" charset="0"/>
+              </a:rPr>
+              <a:t>CONCLUSION</a:t>
+            </a:r>
+          </a:p>
+        </p:txBody>
+      </p:sp>
+      <p:sp>
+        <p:nvSpPr>
+          <p:cNvPr id="3" name="TextBox 2"/>
+          <p:cNvSpPr txBox="1"/>
+          <p:nvPr/>
+        </p:nvSpPr>
+        <p:spPr>
+          <a:xfrm>
+            <a:off x="285720" y="1643050"/>
+            <a:ext cx="9144064" cy="1569660"/>
+          </a:xfrm>
+          <a:prstGeom prst="rect">
+            <a:avLst/>
+          </a:prstGeom>
+          <a:noFill/>
+        </p:spPr>
+        <p:txBody>
+          <a:bodyPr wrap="square" rtlCol="0">
+            <a:spAutoFit/>
+          </a:bodyPr>
+          <a:lstStyle/>
+          <a:p>
+            <a:r>
+              <a:rPr lang="en-US" sz="2400" dirty="0">
+                <a:solidFill>
+                  <a:schemeClr val="accent2">
+                    <a:lumMod val="20000"/>
+                    <a:lumOff val="80000"/>
+                  </a:schemeClr>
+                </a:solidFill>
+                <a:latin typeface="Calibri" pitchFamily="34" charset="0"/>
+                <a:cs typeface="Calibri" pitchFamily="34" charset="0"/>
+              </a:rPr>
+              <a:t>Our initiative </a:t>
+            </a:r>
+            <a:r>
+              <a:rPr lang="en-US" sz="2400" b="1" dirty="0">
+                <a:solidFill>
+                  <a:schemeClr val="accent2">
+                    <a:lumMod val="20000"/>
+                    <a:lumOff val="80000"/>
+                  </a:schemeClr>
+                </a:solidFill>
+                <a:latin typeface="Calibri" pitchFamily="34" charset="0"/>
+                <a:cs typeface="Calibri" pitchFamily="34" charset="0"/>
+              </a:rPr>
+              <a:t>PAUSE TO RESUME </a:t>
+            </a:r>
+            <a:r>
+              <a:rPr lang="en-US" sz="2400" dirty="0">
+                <a:solidFill>
+                  <a:schemeClr val="accent2">
+                    <a:lumMod val="20000"/>
+                    <a:lumOff val="80000"/>
+                  </a:schemeClr>
+                </a:solidFill>
+                <a:latin typeface="Calibri" pitchFamily="34" charset="0"/>
+                <a:cs typeface="Calibri" pitchFamily="34" charset="0"/>
+              </a:rPr>
+              <a:t>is an efficient solution to reduce </a:t>
+            </a:r>
+            <a:endParaRPr lang="en-US" sz="2400" dirty="0" smtClean="0">
+              <a:solidFill>
+                <a:schemeClr val="accent2">
+                  <a:lumMod val="20000"/>
+                  <a:lumOff val="80000"/>
+                </a:schemeClr>
+              </a:solidFill>
+              <a:latin typeface="Calibri" pitchFamily="34" charset="0"/>
+              <a:cs typeface="Calibri" pitchFamily="34" charset="0"/>
+            </a:endParaRPr>
+          </a:p>
+          <a:p>
+            <a:r>
+              <a:rPr lang="en-US" sz="2400" dirty="0" smtClean="0">
+                <a:solidFill>
+                  <a:schemeClr val="accent2">
+                    <a:lumMod val="20000"/>
+                    <a:lumOff val="80000"/>
+                  </a:schemeClr>
+                </a:solidFill>
+                <a:latin typeface="Calibri" pitchFamily="34" charset="0"/>
+                <a:cs typeface="Calibri" pitchFamily="34" charset="0"/>
+              </a:rPr>
+              <a:t>the Spread </a:t>
+            </a:r>
+            <a:r>
+              <a:rPr lang="en-US" sz="2400" dirty="0">
+                <a:solidFill>
+                  <a:schemeClr val="accent2">
+                    <a:lumMod val="20000"/>
+                    <a:lumOff val="80000"/>
+                  </a:schemeClr>
+                </a:solidFill>
+                <a:latin typeface="Calibri" pitchFamily="34" charset="0"/>
+                <a:cs typeface="Calibri" pitchFamily="34" charset="0"/>
+              </a:rPr>
+              <a:t>of </a:t>
+            </a:r>
+            <a:r>
+              <a:rPr lang="en-US" sz="2400" dirty="0" err="1">
+                <a:solidFill>
+                  <a:schemeClr val="accent2">
+                    <a:lumMod val="20000"/>
+                    <a:lumOff val="80000"/>
+                  </a:schemeClr>
+                </a:solidFill>
+                <a:latin typeface="Calibri" pitchFamily="34" charset="0"/>
+                <a:cs typeface="Calibri" pitchFamily="34" charset="0"/>
+              </a:rPr>
+              <a:t>covid</a:t>
+            </a:r>
+            <a:r>
+              <a:rPr lang="en-US" sz="2400" dirty="0">
+                <a:solidFill>
+                  <a:schemeClr val="accent2">
+                    <a:lumMod val="20000"/>
+                    <a:lumOff val="80000"/>
+                  </a:schemeClr>
+                </a:solidFill>
+                <a:latin typeface="Calibri" pitchFamily="34" charset="0"/>
+                <a:cs typeface="Calibri" pitchFamily="34" charset="0"/>
+              </a:rPr>
+              <a:t> by strictly tracking the travel history of people without </a:t>
+            </a:r>
+            <a:r>
+              <a:rPr lang="en-US" sz="2400" dirty="0" smtClean="0">
+                <a:solidFill>
+                  <a:schemeClr val="accent2">
+                    <a:lumMod val="20000"/>
+                    <a:lumOff val="80000"/>
+                  </a:schemeClr>
+                </a:solidFill>
+                <a:latin typeface="Calibri" pitchFamily="34" charset="0"/>
+                <a:cs typeface="Calibri" pitchFamily="34" charset="0"/>
+              </a:rPr>
+              <a:t>manual </a:t>
+            </a:r>
+            <a:r>
+              <a:rPr lang="en-US" sz="2400" dirty="0">
+                <a:solidFill>
+                  <a:schemeClr val="accent2">
+                    <a:lumMod val="20000"/>
+                    <a:lumOff val="80000"/>
+                  </a:schemeClr>
+                </a:solidFill>
+                <a:latin typeface="Calibri" pitchFamily="34" charset="0"/>
+                <a:cs typeface="Calibri" pitchFamily="34" charset="0"/>
+              </a:rPr>
+              <a:t>intervention and thereby quarantining individuals suspected to </a:t>
+            </a:r>
+            <a:r>
+              <a:rPr lang="en-US" sz="2400" dirty="0" smtClean="0">
+                <a:solidFill>
+                  <a:schemeClr val="accent2">
+                    <a:lumMod val="20000"/>
+                    <a:lumOff val="80000"/>
+                  </a:schemeClr>
+                </a:solidFill>
+                <a:latin typeface="Calibri" pitchFamily="34" charset="0"/>
+                <a:cs typeface="Calibri" pitchFamily="34" charset="0"/>
+              </a:rPr>
+              <a:t>have </a:t>
+            </a:r>
+            <a:r>
+              <a:rPr lang="en-US" sz="2400" dirty="0" err="1">
+                <a:solidFill>
+                  <a:schemeClr val="accent2">
+                    <a:lumMod val="20000"/>
+                    <a:lumOff val="80000"/>
+                  </a:schemeClr>
+                </a:solidFill>
+                <a:latin typeface="Calibri" pitchFamily="34" charset="0"/>
+                <a:cs typeface="Calibri" pitchFamily="34" charset="0"/>
+              </a:rPr>
+              <a:t>covid</a:t>
+            </a:r>
+            <a:r>
+              <a:rPr lang="en-US" sz="2400" dirty="0">
+                <a:solidFill>
+                  <a:schemeClr val="accent2">
+                    <a:lumMod val="20000"/>
+                    <a:lumOff val="80000"/>
+                  </a:schemeClr>
+                </a:solidFill>
+                <a:latin typeface="Calibri" pitchFamily="34" charset="0"/>
+                <a:cs typeface="Calibri" pitchFamily="34" charset="0"/>
+              </a:rPr>
+              <a:t>.</a:t>
+            </a:r>
+          </a:p>
+        </p:txBody>
+      </p:sp>
+    </p:spTree>
+  </p:cSld>
+  <p:clrMapOvr>
+    <a:masterClrMapping/>
+  </p:clrMapOvr>
+  <p:timing>
+    <p:tnLst>
+      <p:par>
+        <p:cTn id="1" dur="indefinite" restart="never" nodeType="tmRoot"/>
+      </p:par>
+    </p:tnLst>
+  </p:timing>
+</p:sld>
+</file>
+
+<file path=ppt/slides/slide12.xml><?xml version="1.0" encoding="utf-8"?>
 <p:sld xmlns:a="http://schemas.openxmlformats.org/drawingml/2006/main" xmlns:r="http://schemas.openxmlformats.org/officeDocument/2006/relationships" xmlns:p="http://schemas.openxmlformats.org/presentationml/2006/main">
   <p:cSld>
     <p:spTree>
@@ -4412,33 +4728,7 @@
                 <a:latin typeface="Calibri" pitchFamily="34" charset="0"/>
                 <a:cs typeface="Calibri" pitchFamily="34" charset="0"/>
               </a:rPr>
-              <a:t> </a:t>
-            </a:r>
-            <a:r>
-              <a:rPr lang="en-US" sz="2400" dirty="0" smtClean="0">
-                <a:solidFill>
-                  <a:schemeClr val="accent2">
-                    <a:lumMod val="20000"/>
-                    <a:lumOff val="80000"/>
-                  </a:schemeClr>
-                </a:solidFill>
-                <a:latin typeface="Calibri" pitchFamily="34" charset="0"/>
-                <a:cs typeface="Calibri" pitchFamily="34" charset="0"/>
-              </a:rPr>
-              <a:t>    enter false details.</a:t>
-            </a:r>
-            <a:r>
-              <a:rPr lang="en-US" sz="2400" dirty="0" smtClean="0">
-                <a:solidFill>
-                  <a:schemeClr val="accent2">
-                    <a:lumMod val="20000"/>
-                    <a:lumOff val="80000"/>
-                  </a:schemeClr>
-                </a:solidFill>
-                <a:latin typeface="Calibri" pitchFamily="34" charset="0"/>
-                <a:cs typeface="Calibri" pitchFamily="34" charset="0"/>
-              </a:rPr>
-              <a:t>              </a:t>
+              <a:t>     enter false details.              </a:t>
             </a:r>
             <a:endParaRPr lang="en-US" sz="2400" dirty="0">
               <a:solidFill>
@@ -4520,20 +4810,7 @@
                 <a:latin typeface="Calibri" pitchFamily="34" charset="0"/>
                 <a:cs typeface="Calibri" pitchFamily="34" charset="0"/>
               </a:rPr>
-              <a:t> </a:t>
-            </a:r>
-            <a:r>
-              <a:rPr lang="en-US" sz="2400" dirty="0" smtClean="0">
-                <a:solidFill>
-                  <a:schemeClr val="accent2">
-                    <a:lumMod val="20000"/>
-                    <a:lumOff val="80000"/>
-                  </a:schemeClr>
-                </a:solidFill>
-                <a:latin typeface="Calibri" pitchFamily="34" charset="0"/>
-                <a:cs typeface="Calibri" pitchFamily="34" charset="0"/>
-              </a:rPr>
-              <a:t>   pen-and-paper system.</a:t>
+              <a:t>    pen-and-paper system.</a:t>
             </a:r>
             <a:endParaRPr lang="en-US" sz="2400" dirty="0">
               <a:solidFill>
@@ -5200,20 +5477,7 @@
                 <a:latin typeface="Calibri" pitchFamily="34" charset="0"/>
                 <a:cs typeface="Calibri" pitchFamily="34" charset="0"/>
               </a:rPr>
-              <a:t> </a:t>
-            </a:r>
-            <a:r>
-              <a:rPr lang="en-US" sz="2200" dirty="0" smtClean="0">
-                <a:solidFill>
-                  <a:schemeClr val="accent2">
-                    <a:lumMod val="20000"/>
-                    <a:lumOff val="80000"/>
-                  </a:schemeClr>
-                </a:solidFill>
-                <a:latin typeface="Calibri" pitchFamily="34" charset="0"/>
-                <a:cs typeface="Calibri" pitchFamily="34" charset="0"/>
-              </a:rPr>
-              <a:t> </a:t>
+              <a:t>  </a:t>
             </a:r>
             <a:r>
               <a:rPr lang="en-US" sz="2200" dirty="0">
@@ -5251,20 +5515,7 @@
                 <a:latin typeface="Calibri" pitchFamily="34" charset="0"/>
                 <a:cs typeface="Calibri" pitchFamily="34" charset="0"/>
               </a:rPr>
-              <a:t> </a:t>
-            </a:r>
-            <a:r>
-              <a:rPr lang="en-US" sz="2200" dirty="0" smtClean="0">
-                <a:solidFill>
-                  <a:schemeClr val="accent2">
-                    <a:lumMod val="20000"/>
-                    <a:lumOff val="80000"/>
-                  </a:schemeClr>
-                </a:solidFill>
-                <a:latin typeface="Calibri" pitchFamily="34" charset="0"/>
-                <a:cs typeface="Calibri" pitchFamily="34" charset="0"/>
-              </a:rPr>
-              <a:t> </a:t>
+              <a:t>  </a:t>
             </a:r>
             <a:r>
               <a:rPr lang="en-US" sz="2200" dirty="0" err="1" smtClean="0">
@@ -5440,33 +5691,7 @@
                 <a:latin typeface="Calibri" pitchFamily="34" charset="0"/>
                 <a:cs typeface="Calibri" pitchFamily="34" charset="0"/>
               </a:rPr>
-              <a:t> </a:t>
-            </a:r>
-            <a:r>
-              <a:rPr lang="en-US" sz="2200" dirty="0" smtClean="0">
-                <a:solidFill>
-                  <a:schemeClr val="accent2">
-                    <a:lumMod val="20000"/>
-                    <a:lumOff val="80000"/>
-                  </a:schemeClr>
-                </a:solidFill>
-                <a:latin typeface="Calibri" pitchFamily="34" charset="0"/>
-                <a:cs typeface="Calibri" pitchFamily="34" charset="0"/>
-              </a:rPr>
-              <a:t>  </a:t>
-            </a:r>
-            <a:r>
-              <a:rPr lang="en-US" sz="2200" dirty="0" smtClean="0">
-                <a:solidFill>
-                  <a:schemeClr val="accent2">
-                    <a:lumMod val="20000"/>
-                    <a:lumOff val="80000"/>
-                  </a:schemeClr>
-                </a:solidFill>
-                <a:latin typeface="Calibri" pitchFamily="34" charset="0"/>
-                <a:cs typeface="Calibri" pitchFamily="34" charset="0"/>
-              </a:rPr>
-              <a:t> into </a:t>
+              <a:t>    into </a:t>
             </a:r>
             <a:r>
               <a:rPr lang="en-US" sz="2200" dirty="0">
@@ -5545,20 +5770,7 @@
                 <a:latin typeface="Calibri" pitchFamily="34" charset="0"/>
                 <a:cs typeface="Calibri" pitchFamily="34" charset="0"/>
               </a:rPr>
-              <a:t>QR</a:t>
-            </a:r>
-            <a:r>
-              <a:rPr lang="en-US" sz="2200" dirty="0" smtClean="0">
-                <a:solidFill>
-                  <a:schemeClr val="accent2">
-                    <a:lumMod val="20000"/>
-                    <a:lumOff val="80000"/>
-                  </a:schemeClr>
-                </a:solidFill>
-                <a:latin typeface="Calibri" pitchFamily="34" charset="0"/>
-                <a:cs typeface="Calibri" pitchFamily="34" charset="0"/>
-              </a:rPr>
-              <a:t> </a:t>
+              <a:t>QR </a:t>
             </a:r>
             <a:r>
               <a:rPr lang="en-US" sz="2200" dirty="0">
@@ -5777,33 +5989,7 @@
                 <a:latin typeface="Calibri" pitchFamily="34" charset="0"/>
                 <a:cs typeface="Calibri" pitchFamily="34" charset="0"/>
               </a:rPr>
-              <a:t> </a:t>
-            </a:r>
-            <a:r>
-              <a:rPr lang="en-US" sz="2200" dirty="0" smtClean="0">
-                <a:solidFill>
-                  <a:schemeClr val="accent2">
-                    <a:lumMod val="20000"/>
-                    <a:lumOff val="80000"/>
-                  </a:schemeClr>
-                </a:solidFill>
-                <a:latin typeface="Calibri" pitchFamily="34" charset="0"/>
-                <a:cs typeface="Calibri" pitchFamily="34" charset="0"/>
-              </a:rPr>
-              <a:t>   </a:t>
-            </a:r>
-            <a:r>
-              <a:rPr lang="en-US" sz="2200" dirty="0" smtClean="0">
-                <a:solidFill>
-                  <a:schemeClr val="accent2">
-                    <a:lumMod val="20000"/>
-                    <a:lumOff val="80000"/>
-                  </a:schemeClr>
-                </a:solidFill>
-                <a:latin typeface="Calibri" pitchFamily="34" charset="0"/>
-                <a:cs typeface="Calibri" pitchFamily="34" charset="0"/>
-              </a:rPr>
-              <a:t>cross checked </a:t>
+              <a:t>    cross checked </a:t>
             </a:r>
             <a:r>
               <a:rPr lang="en-US" sz="2200" dirty="0">
@@ -5841,7 +6027,20 @@
                 <a:latin typeface="Calibri" pitchFamily="34" charset="0"/>
                 <a:cs typeface="Calibri" pitchFamily="34" charset="0"/>
               </a:rPr>
-              <a:t> </a:t>
+              <a:t>    place </a:t>
+            </a:r>
+            <a:r>
+              <a:rPr lang="en-US" sz="2200" dirty="0">
+                <a:solidFill>
+                  <a:schemeClr val="accent2">
+                    <a:lumMod val="20000"/>
+                    <a:lumOff val="80000"/>
+                  </a:schemeClr>
+                </a:solidFill>
+                <a:latin typeface="Calibri" pitchFamily="34" charset="0"/>
+                <a:cs typeface="Calibri" pitchFamily="34" charset="0"/>
+              </a:rPr>
+              <a:t>is </a:t>
             </a:r>
             <a:r>
               <a:rPr lang="en-US" sz="2200" dirty="0" smtClean="0">
@@ -5854,7 +6053,46 @@
                 <a:latin typeface="Calibri" pitchFamily="34" charset="0"/>
                 <a:cs typeface="Calibri" pitchFamily="34" charset="0"/>
               </a:rPr>
-              <a:t>   </a:t>
+              <a:t>tested </a:t>
+            </a:r>
+            <a:r>
+              <a:rPr lang="en-US" sz="2200" dirty="0">
+                <a:solidFill>
+                  <a:schemeClr val="accent2">
+                    <a:lumMod val="20000"/>
+                    <a:lumOff val="80000"/>
+                  </a:schemeClr>
+                </a:solidFill>
+                <a:latin typeface="Calibri" pitchFamily="34" charset="0"/>
+                <a:cs typeface="Calibri" pitchFamily="34" charset="0"/>
+              </a:rPr>
+              <a:t>positive for </a:t>
+            </a:r>
+            <a:r>
+              <a:rPr lang="en-US" sz="2200" dirty="0" err="1">
+                <a:solidFill>
+                  <a:schemeClr val="accent2">
+                    <a:lumMod val="20000"/>
+                    <a:lumOff val="80000"/>
+                  </a:schemeClr>
+                </a:solidFill>
+                <a:latin typeface="Calibri" pitchFamily="34" charset="0"/>
+                <a:cs typeface="Calibri" pitchFamily="34" charset="0"/>
+              </a:rPr>
+              <a:t>covid</a:t>
+            </a:r>
+            <a:r>
+              <a:rPr lang="en-US" sz="2200" dirty="0">
+                <a:solidFill>
+                  <a:schemeClr val="accent2">
+                    <a:lumMod val="20000"/>
+                    <a:lumOff val="80000"/>
+                  </a:schemeClr>
+                </a:solidFill>
+                <a:latin typeface="Calibri" pitchFamily="34" charset="0"/>
+                <a:cs typeface="Calibri" pitchFamily="34" charset="0"/>
+              </a:rPr>
+              <a:t>, the shop keeper and people </a:t>
             </a:r>
             <a:r>
               <a:rPr lang="en-US" sz="2200" dirty="0" smtClean="0">
@@ -5867,21 +6105,10 @@
                 <a:latin typeface="Calibri" pitchFamily="34" charset="0"/>
                 <a:cs typeface="Calibri" pitchFamily="34" charset="0"/>
               </a:rPr>
-              <a:t>place </a:t>
-            </a:r>
-            <a:r>
-              <a:rPr lang="en-US" sz="2200" dirty="0">
-                <a:solidFill>
-                  <a:schemeClr val="accent2">
-                    <a:lumMod val="20000"/>
-                    <a:lumOff val="80000"/>
-                  </a:schemeClr>
-                </a:solidFill>
-                <a:latin typeface="Calibri" pitchFamily="34" charset="0"/>
-                <a:cs typeface="Calibri" pitchFamily="34" charset="0"/>
-              </a:rPr>
-              <a:t>is </a:t>
-            </a:r>
+              <a:t>visited</a:t>
+            </a:r>
+          </a:p>
+          <a:p>
             <a:r>
               <a:rPr lang="en-US" sz="2200" dirty="0" smtClean="0">
                 <a:solidFill>
@@ -5893,100 +6120,7 @@
                 <a:latin typeface="Calibri" pitchFamily="34" charset="0"/>
                 <a:cs typeface="Calibri" pitchFamily="34" charset="0"/>
               </a:rPr>
-              <a:t>tested </a:t>
-            </a:r>
-            <a:r>
-              <a:rPr lang="en-US" sz="2200" dirty="0">
-                <a:solidFill>
-                  <a:schemeClr val="accent2">
-                    <a:lumMod val="20000"/>
-                    <a:lumOff val="80000"/>
-                  </a:schemeClr>
-                </a:solidFill>
-                <a:latin typeface="Calibri" pitchFamily="34" charset="0"/>
-                <a:cs typeface="Calibri" pitchFamily="34" charset="0"/>
-              </a:rPr>
-              <a:t>positive for </a:t>
-            </a:r>
-            <a:r>
-              <a:rPr lang="en-US" sz="2200" dirty="0" err="1">
-                <a:solidFill>
-                  <a:schemeClr val="accent2">
-                    <a:lumMod val="20000"/>
-                    <a:lumOff val="80000"/>
-                  </a:schemeClr>
-                </a:solidFill>
-                <a:latin typeface="Calibri" pitchFamily="34" charset="0"/>
-                <a:cs typeface="Calibri" pitchFamily="34" charset="0"/>
-              </a:rPr>
-              <a:t>covid</a:t>
-            </a:r>
-            <a:r>
-              <a:rPr lang="en-US" sz="2200" dirty="0">
-                <a:solidFill>
-                  <a:schemeClr val="accent2">
-                    <a:lumMod val="20000"/>
-                    <a:lumOff val="80000"/>
-                  </a:schemeClr>
-                </a:solidFill>
-                <a:latin typeface="Calibri" pitchFamily="34" charset="0"/>
-                <a:cs typeface="Calibri" pitchFamily="34" charset="0"/>
-              </a:rPr>
-              <a:t>, the shop keeper and people </a:t>
-            </a:r>
-            <a:r>
-              <a:rPr lang="en-US" sz="2200" dirty="0" smtClean="0">
-                <a:solidFill>
-                  <a:schemeClr val="accent2">
-                    <a:lumMod val="20000"/>
-                    <a:lumOff val="80000"/>
-                  </a:schemeClr>
-                </a:solidFill>
-                <a:latin typeface="Calibri" pitchFamily="34" charset="0"/>
-                <a:cs typeface="Calibri" pitchFamily="34" charset="0"/>
-              </a:rPr>
-              <a:t>visited</a:t>
-            </a:r>
-          </a:p>
-          <a:p>
-            <a:r>
-              <a:rPr lang="en-US" sz="2200" dirty="0" smtClean="0">
-                <a:solidFill>
-                  <a:schemeClr val="accent2">
-                    <a:lumMod val="20000"/>
-                    <a:lumOff val="80000"/>
-                  </a:schemeClr>
-                </a:solidFill>
-                <a:latin typeface="Calibri" pitchFamily="34" charset="0"/>
-                <a:cs typeface="Calibri" pitchFamily="34" charset="0"/>
-              </a:rPr>
-              <a:t> </a:t>
-            </a:r>
-            <a:r>
-              <a:rPr lang="en-US" sz="2200" dirty="0" smtClean="0">
-                <a:solidFill>
-                  <a:schemeClr val="accent2">
-                    <a:lumMod val="20000"/>
-                    <a:lumOff val="80000"/>
-                  </a:schemeClr>
-                </a:solidFill>
-                <a:latin typeface="Calibri" pitchFamily="34" charset="0"/>
-                <a:cs typeface="Calibri" pitchFamily="34" charset="0"/>
-              </a:rPr>
-              <a:t>  </a:t>
-            </a:r>
-            <a:r>
-              <a:rPr lang="en-US" sz="2200" dirty="0" smtClean="0">
-                <a:solidFill>
-                  <a:schemeClr val="accent2">
-                    <a:lumMod val="20000"/>
-                    <a:lumOff val="80000"/>
-                  </a:schemeClr>
-                </a:solidFill>
-                <a:latin typeface="Calibri" pitchFamily="34" charset="0"/>
-                <a:cs typeface="Calibri" pitchFamily="34" charset="0"/>
-              </a:rPr>
-              <a:t> </a:t>
+              <a:t>    </a:t>
             </a:r>
             <a:r>
               <a:rPr lang="en-US" sz="2200" dirty="0">
@@ -7201,148 +7335,47 @@
       </p:grpSpPr>
       <p:sp>
         <p:nvSpPr>
-          <p:cNvPr id="2" name="TextBox 1"/>
-          <p:cNvSpPr txBox="1"/>
-          <p:nvPr/>
-        </p:nvSpPr>
-        <p:spPr>
-          <a:xfrm>
-            <a:off x="285720" y="714356"/>
-            <a:ext cx="5141985" cy="646331"/>
-          </a:xfrm>
-          <a:prstGeom prst="rect">
-            <a:avLst/>
-          </a:prstGeom>
-          <a:noFill/>
-        </p:spPr>
-        <p:txBody>
-          <a:bodyPr wrap="none" rtlCol="0">
-            <a:spAutoFit/>
-          </a:bodyPr>
+          <p:cNvPr id="2" name="Title 1"/>
+          <p:cNvSpPr>
+            <a:spLocks noGrp="1"/>
+          </p:cNvSpPr>
+          <p:nvPr>
+            <p:ph type="title"/>
+          </p:nvPr>
+        </p:nvSpPr>
+        <p:spPr/>
+        <p:txBody>
+          <a:bodyPr/>
           <a:lstStyle/>
           <a:p>
             <a:r>
-              <a:rPr lang="en-US" sz="3600" dirty="0">
-                <a:solidFill>
-                  <a:schemeClr val="accent1">
-                    <a:lumMod val="60000"/>
-                    <a:lumOff val="40000"/>
-                  </a:schemeClr>
-                </a:solidFill>
-                <a:latin typeface="Calibri" pitchFamily="34" charset="0"/>
-                <a:cs typeface="Calibri" pitchFamily="34" charset="0"/>
-              </a:rPr>
-              <a:t>TECHNOLOGY STACK USED</a:t>
-            </a:r>
-          </a:p>
-        </p:txBody>
-      </p:sp>
-      <p:sp>
-        <p:nvSpPr>
-          <p:cNvPr id="4" name="TextBox 3"/>
-          <p:cNvSpPr txBox="1"/>
-          <p:nvPr/>
-        </p:nvSpPr>
-        <p:spPr>
-          <a:xfrm>
-            <a:off x="357158" y="2071678"/>
-            <a:ext cx="2216954" cy="1569660"/>
-          </a:xfrm>
-          <a:prstGeom prst="rect">
-            <a:avLst/>
-          </a:prstGeom>
-          <a:noFill/>
-        </p:spPr>
-        <p:txBody>
-          <a:bodyPr wrap="none" rtlCol="0">
-            <a:spAutoFit/>
-          </a:bodyPr>
+              <a:rPr lang="en-IN" u="sng" dirty="0" smtClean="0"/>
+              <a:t>LINK TO PROTOTYPE VIDEO</a:t>
+            </a:r>
+            <a:endParaRPr lang="en-US" u="sng" dirty="0"/>
+          </a:p>
+        </p:txBody>
+      </p:sp>
+      <p:sp>
+        <p:nvSpPr>
+          <p:cNvPr id="3" name="Content Placeholder 2"/>
+          <p:cNvSpPr>
+            <a:spLocks noGrp="1"/>
+          </p:cNvSpPr>
+          <p:nvPr>
+            <p:ph idx="1"/>
+          </p:nvPr>
+        </p:nvSpPr>
+        <p:spPr/>
+        <p:txBody>
+          <a:bodyPr/>
           <a:lstStyle/>
           <a:p>
-            <a:pPr>
-              <a:buFont typeface="Wingdings" pitchFamily="2" charset="2"/>
-              <a:buChar char="Ø"/>
-            </a:pPr>
-            <a:r>
-              <a:rPr lang="en-US" sz="2400" dirty="0" err="1">
-                <a:solidFill>
-                  <a:schemeClr val="accent2">
-                    <a:lumMod val="20000"/>
-                    <a:lumOff val="80000"/>
-                  </a:schemeClr>
-                </a:solidFill>
-                <a:latin typeface="Calibri" pitchFamily="34" charset="0"/>
-                <a:cs typeface="Calibri" pitchFamily="34" charset="0"/>
-              </a:rPr>
-              <a:t>MySQL</a:t>
-            </a:r>
-            <a:endParaRPr lang="en-US" sz="2400" dirty="0">
-              <a:solidFill>
-                <a:schemeClr val="accent2">
-                  <a:lumMod val="20000"/>
-                  <a:lumOff val="80000"/>
-                </a:schemeClr>
-              </a:solidFill>
-              <a:latin typeface="Calibri" pitchFamily="34" charset="0"/>
-              <a:cs typeface="Calibri" pitchFamily="34" charset="0"/>
-            </a:endParaRPr>
-          </a:p>
-          <a:p>
-            <a:pPr>
-              <a:buFont typeface="Wingdings" pitchFamily="2" charset="2"/>
-              <a:buChar char="Ø"/>
-            </a:pPr>
-            <a:r>
-              <a:rPr lang="en-US" sz="2400" dirty="0">
-                <a:solidFill>
-                  <a:schemeClr val="accent2">
-                    <a:lumMod val="20000"/>
-                    <a:lumOff val="80000"/>
-                  </a:schemeClr>
-                </a:solidFill>
-                <a:latin typeface="Calibri" pitchFamily="34" charset="0"/>
-                <a:cs typeface="Calibri" pitchFamily="34" charset="0"/>
-              </a:rPr>
-              <a:t>Python</a:t>
-            </a:r>
-          </a:p>
-          <a:p>
-            <a:pPr>
-              <a:buFont typeface="Wingdings" pitchFamily="2" charset="2"/>
-              <a:buChar char="Ø"/>
-            </a:pPr>
-            <a:r>
-              <a:rPr lang="en-US" sz="2400" dirty="0">
-                <a:solidFill>
-                  <a:schemeClr val="accent2">
-                    <a:lumMod val="20000"/>
-                    <a:lumOff val="80000"/>
-                  </a:schemeClr>
-                </a:solidFill>
-                <a:latin typeface="Calibri" pitchFamily="34" charset="0"/>
-                <a:cs typeface="Calibri" pitchFamily="34" charset="0"/>
-              </a:rPr>
-              <a:t>Cloud services</a:t>
-            </a:r>
-          </a:p>
-          <a:p>
-            <a:pPr>
-              <a:buFont typeface="Wingdings" pitchFamily="2" charset="2"/>
-              <a:buChar char="Ø"/>
-            </a:pPr>
-            <a:r>
-              <a:rPr lang="en-US" sz="2400" dirty="0">
-                <a:solidFill>
-                  <a:schemeClr val="accent2">
-                    <a:lumMod val="20000"/>
-                    <a:lumOff val="80000"/>
-                  </a:schemeClr>
-                </a:solidFill>
-                <a:latin typeface="Calibri" pitchFamily="34" charset="0"/>
-                <a:cs typeface="Calibri" pitchFamily="34" charset="0"/>
-              </a:rPr>
-              <a:t>IOT</a:t>
-            </a:r>
+            <a:r>
+              <a:rPr lang="en-US" dirty="0" smtClean="0"/>
+              <a:t>https://app.animaker.com/animo/I0nI9iCmWdXPlKCZ/</a:t>
+            </a:r>
+            <a:endParaRPr lang="en-US" dirty="0"/>
           </a:p>
         </p:txBody>
       </p:sp>
@@ -7351,13 +7384,6 @@
   <p:clrMapOvr>
     <a:masterClrMapping/>
   </p:clrMapOvr>
-  <p:timing>
-    <p:tnLst>
-      <p:par>
-        <p:cTn id="1" dur="indefinite" restart="never" nodeType="tmRoot"/>
-      </p:par>
-    </p:tnLst>
-  </p:timing>
 </p:sld>
 </file>
 
@@ -7386,8 +7412,8 @@
         </p:nvSpPr>
         <p:spPr>
           <a:xfrm>
-            <a:off x="357158" y="1571612"/>
-            <a:ext cx="8786842" cy="2677656"/>
+            <a:off x="285720" y="714356"/>
+            <a:ext cx="5141985" cy="646331"/>
           </a:xfrm>
           <a:prstGeom prst="rect">
             <a:avLst/>
@@ -7395,7 +7421,45 @@
           <a:noFill/>
         </p:spPr>
         <p:txBody>
-          <a:bodyPr wrap="square" rtlCol="0">
+          <a:bodyPr wrap="none" rtlCol="0">
+            <a:spAutoFit/>
+          </a:bodyPr>
+          <a:lstStyle/>
+          <a:p>
+            <a:r>
+              <a:rPr lang="en-US" sz="3600" dirty="0">
+                <a:solidFill>
+                  <a:schemeClr val="accent1">
+                    <a:lumMod val="60000"/>
+                    <a:lumOff val="40000"/>
+                  </a:schemeClr>
+                </a:solidFill>
+                <a:latin typeface="Calibri" pitchFamily="34" charset="0"/>
+                <a:cs typeface="Calibri" pitchFamily="34" charset="0"/>
+              </a:rPr>
+              <a:t>TECHNOLOGY STACK USED</a:t>
+            </a:r>
+          </a:p>
+        </p:txBody>
+      </p:sp>
+      <p:sp>
+        <p:nvSpPr>
+          <p:cNvPr id="4" name="TextBox 3"/>
+          <p:cNvSpPr txBox="1"/>
+          <p:nvPr/>
+        </p:nvSpPr>
+        <p:spPr>
+          <a:xfrm>
+            <a:off x="357158" y="2071678"/>
+            <a:ext cx="2216954" cy="1569660"/>
+          </a:xfrm>
+          <a:prstGeom prst="rect">
+            <a:avLst/>
+          </a:prstGeom>
+          <a:noFill/>
+        </p:spPr>
+        <p:txBody>
+          <a:bodyPr wrap="none" rtlCol="0">
             <a:spAutoFit/>
           </a:bodyPr>
           <a:lstStyle/>
@@ -7405,19 +7469,6 @@
               <a:buChar char="Ø"/>
             </a:pPr>
             <a:r>
-              <a:rPr lang="en-US" sz="2400" dirty="0">
-                <a:solidFill>
-                  <a:schemeClr val="accent2">
-                    <a:lumMod val="20000"/>
-                    <a:lumOff val="80000"/>
-                  </a:schemeClr>
-                </a:solidFill>
-                <a:latin typeface="Calibri" pitchFamily="34" charset="0"/>
-                <a:cs typeface="Calibri" pitchFamily="34" charset="0"/>
-              </a:rPr>
-              <a:t> Helps government to reduce the spread of </a:t>
-            </a:r>
-            <a:r>
               <a:rPr lang="en-US" sz="2400" dirty="0" err="1">
                 <a:solidFill>
                   <a:schemeClr val="accent2">
@@ -7428,123 +7479,7 @@
                 <a:latin typeface="Calibri" pitchFamily="34" charset="0"/>
                 <a:cs typeface="Calibri" pitchFamily="34" charset="0"/>
               </a:rPr>
-              <a:t>covid</a:t>
-            </a:r>
-            <a:r>
-              <a:rPr lang="en-US" sz="2400" dirty="0">
-                <a:solidFill>
-                  <a:schemeClr val="accent2">
-                    <a:lumMod val="20000"/>
-                    <a:lumOff val="80000"/>
-                  </a:schemeClr>
-                </a:solidFill>
-                <a:latin typeface="Calibri" pitchFamily="34" charset="0"/>
-                <a:cs typeface="Calibri" pitchFamily="34" charset="0"/>
-              </a:rPr>
-              <a:t> </a:t>
-            </a:r>
-          </a:p>
-          <a:p>
-            <a:pPr>
-              <a:buFont typeface="Wingdings" pitchFamily="2" charset="2"/>
-              <a:buChar char="Ø"/>
-            </a:pPr>
-            <a:r>
-              <a:rPr lang="en-US" sz="2400" dirty="0">
-                <a:solidFill>
-                  <a:schemeClr val="accent2">
-                    <a:lumMod val="20000"/>
-                    <a:lumOff val="80000"/>
-                  </a:schemeClr>
-                </a:solidFill>
-                <a:latin typeface="Calibri" pitchFamily="34" charset="0"/>
-                <a:cs typeface="Calibri" pitchFamily="34" charset="0"/>
-              </a:rPr>
-              <a:t>Automate human process</a:t>
-            </a:r>
-          </a:p>
-          <a:p>
-            <a:pPr>
-              <a:buFont typeface="Wingdings" pitchFamily="2" charset="2"/>
-              <a:buChar char="Ø"/>
-            </a:pPr>
-            <a:r>
-              <a:rPr lang="en-US" sz="2400" dirty="0">
-                <a:solidFill>
-                  <a:schemeClr val="accent2">
-                    <a:lumMod val="20000"/>
-                    <a:lumOff val="80000"/>
-                  </a:schemeClr>
-                </a:solidFill>
-                <a:latin typeface="Calibri" pitchFamily="34" charset="0"/>
-                <a:cs typeface="Calibri" pitchFamily="34" charset="0"/>
-              </a:rPr>
-              <a:t> Prevent spread of </a:t>
-            </a:r>
-            <a:r>
-              <a:rPr lang="en-US" sz="2400" dirty="0" err="1">
-                <a:solidFill>
-                  <a:schemeClr val="accent2">
-                    <a:lumMod val="20000"/>
-                    <a:lumOff val="80000"/>
-                  </a:schemeClr>
-                </a:solidFill>
-                <a:latin typeface="Calibri" pitchFamily="34" charset="0"/>
-                <a:cs typeface="Calibri" pitchFamily="34" charset="0"/>
-              </a:rPr>
-              <a:t>covid</a:t>
-            </a:r>
-            <a:r>
-              <a:rPr lang="en-US" sz="2400" dirty="0">
-                <a:solidFill>
-                  <a:schemeClr val="accent2">
-                    <a:lumMod val="20000"/>
-                    <a:lumOff val="80000"/>
-                  </a:schemeClr>
-                </a:solidFill>
-                <a:latin typeface="Calibri" pitchFamily="34" charset="0"/>
-                <a:cs typeface="Calibri" pitchFamily="34" charset="0"/>
-              </a:rPr>
-              <a:t> due to close contact with the means of </a:t>
-            </a:r>
-            <a:r>
-              <a:rPr lang="en-US" sz="2400" dirty="0" smtClean="0">
-                <a:solidFill>
-                  <a:schemeClr val="accent2">
-                    <a:lumMod val="20000"/>
-                    <a:lumOff val="80000"/>
-                  </a:schemeClr>
-                </a:solidFill>
-                <a:latin typeface="Calibri" pitchFamily="34" charset="0"/>
-                <a:cs typeface="Calibri" pitchFamily="34" charset="0"/>
-              </a:rPr>
-              <a:t>  data  entry </a:t>
-            </a:r>
-            <a:r>
-              <a:rPr lang="en-US" sz="2400" dirty="0">
-                <a:solidFill>
-                  <a:schemeClr val="accent2">
-                    <a:lumMod val="20000"/>
-                    <a:lumOff val="80000"/>
-                  </a:schemeClr>
-                </a:solidFill>
-                <a:latin typeface="Calibri" pitchFamily="34" charset="0"/>
-                <a:cs typeface="Calibri" pitchFamily="34" charset="0"/>
-              </a:rPr>
-              <a:t>used in conventional mode </a:t>
-            </a:r>
-            <a:r>
-              <a:rPr lang="en-US" sz="2400" dirty="0" smtClean="0">
-                <a:solidFill>
-                  <a:schemeClr val="accent2">
-                    <a:lumMod val="20000"/>
-                    <a:lumOff val="80000"/>
-                  </a:schemeClr>
-                </a:solidFill>
-                <a:latin typeface="Calibri" pitchFamily="34" charset="0"/>
-                <a:cs typeface="Calibri" pitchFamily="34" charset="0"/>
-              </a:rPr>
-              <a:t>.</a:t>
+              <a:t>MySQL</a:t>
             </a:r>
             <a:endParaRPr lang="en-US" sz="2400" dirty="0">
               <a:solidFill>
@@ -7573,33 +7508,7 @@
                 <a:latin typeface="Calibri" pitchFamily="34" charset="0"/>
                 <a:cs typeface="Calibri" pitchFamily="34" charset="0"/>
               </a:rPr>
-              <a:t> People get to know about the </a:t>
-            </a:r>
-            <a:r>
-              <a:rPr lang="en-US" sz="2400" dirty="0" err="1">
-                <a:solidFill>
-                  <a:schemeClr val="accent2">
-                    <a:lumMod val="20000"/>
-                    <a:lumOff val="80000"/>
-                  </a:schemeClr>
-                </a:solidFill>
-                <a:latin typeface="Calibri" pitchFamily="34" charset="0"/>
-                <a:cs typeface="Calibri" pitchFamily="34" charset="0"/>
-              </a:rPr>
-              <a:t>covid</a:t>
-            </a:r>
-            <a:r>
-              <a:rPr lang="en-US" sz="2400" dirty="0">
-                <a:solidFill>
-                  <a:schemeClr val="accent2">
-                    <a:lumMod val="20000"/>
-                    <a:lumOff val="80000"/>
-                  </a:schemeClr>
-                </a:solidFill>
-                <a:latin typeface="Calibri" pitchFamily="34" charset="0"/>
-                <a:cs typeface="Calibri" pitchFamily="34" charset="0"/>
-              </a:rPr>
-              <a:t> status of other people they mingled with. </a:t>
+              <a:t>Python</a:t>
             </a:r>
           </a:p>
           <a:p>
@@ -7618,45 +7527,26 @@
                 <a:latin typeface="Calibri" pitchFamily="34" charset="0"/>
                 <a:cs typeface="Calibri" pitchFamily="34" charset="0"/>
               </a:rPr>
-              <a:t> Ensures quarantine of suspected individuals without any fail</a:t>
-            </a:r>
-          </a:p>
-        </p:txBody>
-      </p:sp>
-      <p:sp>
-        <p:nvSpPr>
-          <p:cNvPr id="3" name="TextBox 2"/>
-          <p:cNvSpPr txBox="1"/>
-          <p:nvPr/>
-        </p:nvSpPr>
-        <p:spPr>
-          <a:xfrm>
-            <a:off x="1500166" y="285728"/>
-            <a:ext cx="5045227" cy="646331"/>
-          </a:xfrm>
-          <a:prstGeom prst="rect">
-            <a:avLst/>
-          </a:prstGeom>
-          <a:noFill/>
-        </p:spPr>
-        <p:txBody>
-          <a:bodyPr wrap="none" rtlCol="0">
-            <a:spAutoFit/>
-          </a:bodyPr>
-          <a:lstStyle/>
-          <a:p>
-            <a:r>
-              <a:rPr lang="en-US" sz="3600" u="sng" dirty="0">
-                <a:solidFill>
-                  <a:schemeClr val="accent1">
-                    <a:lumMod val="60000"/>
-                    <a:lumOff val="40000"/>
-                  </a:schemeClr>
-                </a:solidFill>
-                <a:latin typeface="Calibri" pitchFamily="34" charset="0"/>
-                <a:cs typeface="Calibri" pitchFamily="34" charset="0"/>
-              </a:rPr>
-              <a:t>SOCIAL  IMPACT ANALYSIS</a:t>
+              <a:t>Cloud services</a:t>
+            </a:r>
+          </a:p>
+          <a:p>
+            <a:pPr>
+              <a:buFont typeface="Wingdings" pitchFamily="2" charset="2"/>
+              <a:buChar char="Ø"/>
+            </a:pPr>
+            <a:r>
+              <a:rPr lang="en-US" sz="2400" dirty="0">
+                <a:solidFill>
+                  <a:schemeClr val="accent2">
+                    <a:lumMod val="20000"/>
+                    <a:lumOff val="80000"/>
+                  </a:schemeClr>
+                </a:solidFill>
+                <a:latin typeface="Calibri" pitchFamily="34" charset="0"/>
+                <a:cs typeface="Calibri" pitchFamily="34" charset="0"/>
+              </a:rPr>
+              <a:t>IOT</a:t>
             </a:r>
           </a:p>
         </p:txBody>
